--- a/Proyecto 1/Diseño/Bosquejo de bloques - definitivo (1).pptx
+++ b/Proyecto 1/Diseño/Bosquejo de bloques - definitivo (1).pptx
@@ -5739,7 +5739,19 @@
           <a:p>
             <a:r>
               <a:rPr lang="es-CR" dirty="0" smtClean="0"/>
-              <a:t>Divisor de Frecuencia: Toma como entrada una frecuencia de 50MHz, y la divide a la mitad para obtener la frecuencia establecida de pixel, 25MHz.</a:t>
+              <a:t>Divisor de Frecuencia: Toma como entrada una frecuencia de 50MHz, y la divide a la mitad para obtener la frecuencia establecida </a:t>
+            </a:r>
+            <a:r>
+              <a:rPr lang="es-CR" smtClean="0"/>
+              <a:t>de </a:t>
+            </a:r>
+            <a:r>
+              <a:rPr lang="es-CR" smtClean="0"/>
+              <a:t>pixel de 25MHz</a:t>
+            </a:r>
+            <a:r>
+              <a:rPr lang="es-CR" dirty="0" smtClean="0"/>
+              <a:t>.</a:t>
             </a:r>
           </a:p>
           <a:p>
